--- a/企画書5.pptx
+++ b/企画書5.pptx
@@ -296,7 +296,7 @@
             <a:fld id="{E90ED720-0104-4369-84BC-D37694168613}" type="datetimeFigureOut">
               <a:rPr kumimoji="1" lang="ja-JP" altLang="en-US" smtClean="0"/>
               <a:pPr/>
-              <a:t>2022/9/9</a:t>
+              <a:t>2022/9/13</a:t>
             </a:fld>
             <a:endParaRPr kumimoji="1" lang="ja-JP" altLang="en-US"/>
           </a:p>
@@ -495,7 +495,7 @@
             <a:fld id="{E90ED720-0104-4369-84BC-D37694168613}" type="datetimeFigureOut">
               <a:rPr kumimoji="1" lang="ja-JP" altLang="en-US" smtClean="0"/>
               <a:pPr/>
-              <a:t>2022/9/9</a:t>
+              <a:t>2022/9/13</a:t>
             </a:fld>
             <a:endParaRPr kumimoji="1" lang="ja-JP" altLang="en-US"/>
           </a:p>
@@ -704,7 +704,7 @@
             <a:fld id="{E90ED720-0104-4369-84BC-D37694168613}" type="datetimeFigureOut">
               <a:rPr kumimoji="1" lang="ja-JP" altLang="en-US" smtClean="0"/>
               <a:pPr/>
-              <a:t>2022/9/9</a:t>
+              <a:t>2022/9/13</a:t>
             </a:fld>
             <a:endParaRPr kumimoji="1" lang="ja-JP" altLang="en-US"/>
           </a:p>
@@ -903,7 +903,7 @@
             <a:fld id="{E90ED720-0104-4369-84BC-D37694168613}" type="datetimeFigureOut">
               <a:rPr kumimoji="1" lang="ja-JP" altLang="en-US" smtClean="0"/>
               <a:pPr/>
-              <a:t>2022/9/9</a:t>
+              <a:t>2022/9/13</a:t>
             </a:fld>
             <a:endParaRPr kumimoji="1" lang="ja-JP" altLang="en-US"/>
           </a:p>
@@ -1146,7 +1146,7 @@
             <a:fld id="{E90ED720-0104-4369-84BC-D37694168613}" type="datetimeFigureOut">
               <a:rPr kumimoji="1" lang="ja-JP" altLang="en-US" smtClean="0"/>
               <a:pPr/>
-              <a:t>2022/9/9</a:t>
+              <a:t>2022/9/13</a:t>
             </a:fld>
             <a:endParaRPr kumimoji="1" lang="ja-JP" altLang="en-US"/>
           </a:p>
@@ -1495,7 +1495,7 @@
             <a:fld id="{E90ED720-0104-4369-84BC-D37694168613}" type="datetimeFigureOut">
               <a:rPr kumimoji="1" lang="ja-JP" altLang="en-US" smtClean="0"/>
               <a:pPr/>
-              <a:t>2022/9/9</a:t>
+              <a:t>2022/9/13</a:t>
             </a:fld>
             <a:endParaRPr kumimoji="1" lang="ja-JP" altLang="en-US"/>
           </a:p>
@@ -1978,7 +1978,7 @@
             <a:fld id="{E90ED720-0104-4369-84BC-D37694168613}" type="datetimeFigureOut">
               <a:rPr kumimoji="1" lang="ja-JP" altLang="en-US" smtClean="0"/>
               <a:pPr/>
-              <a:t>2022/9/9</a:t>
+              <a:t>2022/9/13</a:t>
             </a:fld>
             <a:endParaRPr kumimoji="1" lang="ja-JP" altLang="en-US"/>
           </a:p>
@@ -2093,7 +2093,7 @@
             <a:fld id="{E90ED720-0104-4369-84BC-D37694168613}" type="datetimeFigureOut">
               <a:rPr kumimoji="1" lang="ja-JP" altLang="en-US" smtClean="0"/>
               <a:pPr/>
-              <a:t>2022/9/9</a:t>
+              <a:t>2022/9/13</a:t>
             </a:fld>
             <a:endParaRPr kumimoji="1" lang="ja-JP" altLang="en-US"/>
           </a:p>
@@ -2185,7 +2185,7 @@
             <a:fld id="{E90ED720-0104-4369-84BC-D37694168613}" type="datetimeFigureOut">
               <a:rPr kumimoji="1" lang="ja-JP" altLang="en-US" smtClean="0"/>
               <a:pPr/>
-              <a:t>2022/9/9</a:t>
+              <a:t>2022/9/13</a:t>
             </a:fld>
             <a:endParaRPr kumimoji="1" lang="ja-JP" altLang="en-US"/>
           </a:p>
@@ -2491,7 +2491,7 @@
             <a:fld id="{E90ED720-0104-4369-84BC-D37694168613}" type="datetimeFigureOut">
               <a:rPr kumimoji="1" lang="ja-JP" altLang="en-US" smtClean="0"/>
               <a:pPr/>
-              <a:t>2022/9/9</a:t>
+              <a:t>2022/9/13</a:t>
             </a:fld>
             <a:endParaRPr kumimoji="1" lang="ja-JP" altLang="en-US"/>
           </a:p>
@@ -2741,7 +2741,7 @@
             <a:fld id="{E90ED720-0104-4369-84BC-D37694168613}" type="datetimeFigureOut">
               <a:rPr kumimoji="1" lang="ja-JP" altLang="en-US" smtClean="0"/>
               <a:pPr/>
-              <a:t>2022/9/9</a:t>
+              <a:t>2022/9/13</a:t>
             </a:fld>
             <a:endParaRPr kumimoji="1" lang="ja-JP" altLang="en-US"/>
           </a:p>
@@ -2983,7 +2983,7 @@
             <a:fld id="{E90ED720-0104-4369-84BC-D37694168613}" type="datetimeFigureOut">
               <a:rPr kumimoji="1" lang="ja-JP" altLang="en-US" smtClean="0"/>
               <a:pPr/>
-              <a:t>2022/9/9</a:t>
+              <a:t>2022/9/13</a:t>
             </a:fld>
             <a:endParaRPr kumimoji="1" lang="ja-JP" altLang="en-US"/>
           </a:p>
@@ -3376,6 +3376,35 @@
           </a:bodyPr>
           <a:lstStyle/>
           <a:p>
+            <a:r>
+              <a:rPr kumimoji="1" lang="ja-JP" altLang="en-US" sz="6000" dirty="0" smtClean="0">
+                <a:solidFill>
+                  <a:srgbClr val="C00000"/>
+                </a:solidFill>
+                <a:latin typeface="DejaVu Sans" pitchFamily="34" charset="0"/>
+                <a:cs typeface="DejaVu Sans" pitchFamily="34" charset="0"/>
+              </a:rPr>
+              <a:t>一撃必殺</a:t>
+            </a:r>
+            <a:r>
+              <a:rPr kumimoji="1" lang="en-US" altLang="ja-JP" sz="6000" dirty="0" smtClean="0">
+                <a:solidFill>
+                  <a:srgbClr val="C00000"/>
+                </a:solidFill>
+                <a:latin typeface="DejaVu Sans" pitchFamily="34" charset="0"/>
+                <a:cs typeface="DejaVu Sans" pitchFamily="34" charset="0"/>
+              </a:rPr>
+              <a:t/>
+            </a:r>
+            <a:br>
+              <a:rPr kumimoji="1" lang="en-US" altLang="ja-JP" sz="6000" dirty="0" smtClean="0">
+                <a:solidFill>
+                  <a:srgbClr val="C00000"/>
+                </a:solidFill>
+                <a:latin typeface="DejaVu Sans" pitchFamily="34" charset="0"/>
+                <a:cs typeface="DejaVu Sans" pitchFamily="34" charset="0"/>
+              </a:rPr>
+            </a:br>
             <a:r>
               <a:rPr kumimoji="1" lang="ja-JP" altLang="en-US" sz="6000" dirty="0" smtClean="0">
                 <a:solidFill>
@@ -5821,7 +5850,67 @@
                   </a:schemeClr>
                 </a:solidFill>
               </a:rPr>
-              <a:t>が必要だけど、当たれば相手を粉砕</a:t>
+              <a:t>が必要だけど</a:t>
+            </a:r>
+            <a:r>
+              <a:rPr lang="ja-JP" altLang="en-US" sz="2000" dirty="0" smtClean="0">
+                <a:solidFill>
+                  <a:schemeClr val="accent3">
+                    <a:lumMod val="50000"/>
+                  </a:schemeClr>
+                </a:solidFill>
+              </a:rPr>
+              <a:t>、</a:t>
+            </a:r>
+            <a:r>
+              <a:rPr lang="en-US" altLang="ja-JP" sz="2000" dirty="0" smtClean="0">
+                <a:solidFill>
+                  <a:schemeClr val="accent3">
+                    <a:lumMod val="50000"/>
+                  </a:schemeClr>
+                </a:solidFill>
+              </a:rPr>
+              <a:t>”</a:t>
+            </a:r>
+            <a:r>
+              <a:rPr lang="ja-JP" altLang="en-US" sz="2000" dirty="0" smtClean="0">
+                <a:solidFill>
+                  <a:schemeClr val="accent3">
+                    <a:lumMod val="50000"/>
+                  </a:schemeClr>
+                </a:solidFill>
+              </a:rPr>
+              <a:t>当たれば</a:t>
+            </a:r>
+            <a:r>
+              <a:rPr lang="en-US" altLang="ja-JP" sz="2000" dirty="0" smtClean="0">
+                <a:solidFill>
+                  <a:schemeClr val="accent3">
+                    <a:lumMod val="50000"/>
+                  </a:schemeClr>
+                </a:solidFill>
+              </a:rPr>
+              <a:t>”</a:t>
+            </a:r>
+            <a:r>
+              <a:rPr lang="ja-JP" altLang="en-US" sz="2000" dirty="0" smtClean="0">
+                <a:solidFill>
+                  <a:schemeClr val="accent3">
+                    <a:lumMod val="50000"/>
+                  </a:schemeClr>
+                </a:solidFill>
+              </a:rPr>
+              <a:t>相手</a:t>
+            </a:r>
+            <a:r>
+              <a:rPr lang="ja-JP" altLang="en-US" sz="2000" dirty="0" smtClean="0">
+                <a:solidFill>
+                  <a:schemeClr val="accent3">
+                    <a:lumMod val="50000"/>
+                  </a:schemeClr>
+                </a:solidFill>
+              </a:rPr>
+              <a:t>を粉砕</a:t>
             </a:r>
             <a:endParaRPr kumimoji="1" lang="en-US" altLang="ja-JP" sz="2000" b="0" i="0" u="none" strike="noStrike" kern="1200" cap="none" spc="0" normalizeH="0" baseline="0" noProof="0" dirty="0" smtClean="0">
               <a:ln>
@@ -6916,27 +7005,7 @@
                   </a:schemeClr>
                 </a:solidFill>
               </a:rPr>
-              <a:t>ゲージ最大時は無敵</a:t>
-            </a:r>
-            <a:r>
-              <a:rPr lang="ja-JP" altLang="en-US" sz="1200" dirty="0" smtClean="0">
-                <a:solidFill>
-                  <a:schemeClr val="accent3">
-                    <a:lumMod val="50000"/>
-                  </a:schemeClr>
-                </a:solidFill>
-              </a:rPr>
-              <a:t>を</a:t>
-            </a:r>
-            <a:r>
-              <a:rPr lang="ja-JP" altLang="en-US" sz="1200" dirty="0" smtClean="0">
-                <a:solidFill>
-                  <a:schemeClr val="accent3">
-                    <a:lumMod val="50000"/>
-                  </a:schemeClr>
-                </a:solidFill>
-              </a:rPr>
-              <a:t>無効にする</a:t>
+              <a:t>ゲージ最大時は無敵を無効にする</a:t>
             </a:r>
             <a:endParaRPr kumimoji="1" lang="en-US" altLang="ja-JP" sz="1200" b="0" i="0" u="none" strike="noStrike" kern="1200" cap="none" spc="0" normalizeH="0" baseline="0" noProof="0" dirty="0" smtClean="0">
               <a:ln>
@@ -7792,17 +7861,7 @@
                   </a:schemeClr>
                 </a:solidFill>
               </a:rPr>
-              <a:t>強い攻撃も</a:t>
-            </a:r>
-            <a:r>
-              <a:rPr lang="ja-JP" altLang="en-US" sz="1600" dirty="0" smtClean="0">
-                <a:solidFill>
-                  <a:schemeClr val="accent3">
-                    <a:lumMod val="50000"/>
-                  </a:schemeClr>
-                </a:solidFill>
-              </a:rPr>
-              <a:t>距離を見誤れば</a:t>
+              <a:t>強い攻撃も距離を見誤れば</a:t>
             </a:r>
             <a:endParaRPr lang="en-US" altLang="ja-JP" sz="1600" dirty="0" smtClean="0">
               <a:solidFill>
@@ -8206,17 +8265,7 @@
                   </a:schemeClr>
                 </a:solidFill>
               </a:rPr>
-              <a:t>時に</a:t>
-            </a:r>
-            <a:r>
-              <a:rPr lang="ja-JP" altLang="en-US" sz="1600" dirty="0" smtClean="0">
-                <a:solidFill>
-                  <a:schemeClr val="accent3">
-                    <a:lumMod val="50000"/>
-                  </a:schemeClr>
-                </a:solidFill>
-              </a:rPr>
-              <a:t>は勝利につながる</a:t>
+              <a:t>時には勝利につながる</a:t>
             </a:r>
             <a:endParaRPr lang="ja-JP" altLang="en-US" sz="1600" dirty="0">
               <a:solidFill>
@@ -8773,7 +8822,7 @@
                 <a:ea typeface="+mj-ea"/>
                 <a:cs typeface="+mj-cs"/>
               </a:rPr>
-              <a:t>登場人物</a:t>
+              <a:t>キャラクターイメージ</a:t>
             </a:r>
             <a:endParaRPr kumimoji="1" lang="ja-JP" altLang="en-US" sz="4400" b="0" i="0" u="none" strike="noStrike" kern="1200" cap="none" spc="0" normalizeH="0" baseline="0" noProof="0" dirty="0">
               <a:ln>
@@ -8788,6 +8837,659 @@
               <a:latin typeface="+mj-lt"/>
               <a:ea typeface="+mj-ea"/>
               <a:cs typeface="+mj-cs"/>
+            </a:endParaRPr>
+          </a:p>
+        </p:txBody>
+      </p:sp>
+      <p:sp>
+        <p:nvSpPr>
+          <p:cNvPr id="3" name="コンテンツ プレースホルダ 2"/>
+          <p:cNvSpPr txBox="1">
+            <a:spLocks/>
+          </p:cNvSpPr>
+          <p:nvPr/>
+        </p:nvSpPr>
+        <p:spPr>
+          <a:xfrm>
+            <a:off x="1142976" y="6000768"/>
+            <a:ext cx="6929486" cy="765816"/>
+          </a:xfrm>
+          <a:prstGeom prst="rect">
+            <a:avLst/>
+          </a:prstGeom>
+        </p:spPr>
+        <p:txBody>
+          <a:bodyPr vert="horz" lIns="91440" tIns="45720" rIns="91440" bIns="45720" rtlCol="0">
+            <a:noAutofit/>
+          </a:bodyPr>
+          <a:lstStyle/>
+          <a:p>
+            <a:pPr marL="342900" marR="0" lvl="0" indent="-342900" algn="ctr" defTabSz="914400" rtl="0" eaLnBrk="1" fontAlgn="auto" latinLnBrk="0" hangingPunct="1">
+              <a:lnSpc>
+                <a:spcPct val="100000"/>
+              </a:lnSpc>
+              <a:spcBef>
+                <a:spcPct val="20000"/>
+              </a:spcBef>
+              <a:spcAft>
+                <a:spcPts val="0"/>
+              </a:spcAft>
+              <a:buClrTx/>
+              <a:buSzTx/>
+              <a:buFont typeface="Arial" pitchFamily="34" charset="0"/>
+              <a:buNone/>
+              <a:tabLst/>
+              <a:defRPr/>
+            </a:pPr>
+            <a:r>
+              <a:rPr kumimoji="1" lang="ja-JP" altLang="en-US" sz="2000" b="0" i="0" u="none" strike="noStrike" kern="1200" cap="none" spc="0" normalizeH="0" baseline="0" noProof="0" dirty="0" smtClean="0">
+                <a:ln>
+                  <a:noFill/>
+                </a:ln>
+                <a:solidFill>
+                  <a:schemeClr val="accent3">
+                    <a:lumMod val="50000"/>
+                  </a:schemeClr>
+                </a:solidFill>
+                <a:effectLst/>
+                <a:uLnTx/>
+                <a:uFillTx/>
+                <a:latin typeface="+mn-lt"/>
+                <a:ea typeface="+mn-ea"/>
+                <a:cs typeface="+mn-cs"/>
+              </a:rPr>
+              <a:t>アセット制作コストを抑えるため</a:t>
+            </a:r>
+            <a:endParaRPr kumimoji="1" lang="en-US" altLang="ja-JP" sz="2000" b="0" i="0" u="none" strike="noStrike" kern="1200" cap="none" spc="0" normalizeH="0" baseline="0" noProof="0" dirty="0" smtClean="0">
+              <a:ln>
+                <a:noFill/>
+              </a:ln>
+              <a:solidFill>
+                <a:schemeClr val="accent3">
+                  <a:lumMod val="50000"/>
+                </a:schemeClr>
+              </a:solidFill>
+              <a:effectLst/>
+              <a:uLnTx/>
+              <a:uFillTx/>
+              <a:latin typeface="+mn-lt"/>
+              <a:ea typeface="+mn-ea"/>
+              <a:cs typeface="+mn-cs"/>
+            </a:endParaRPr>
+          </a:p>
+          <a:p>
+            <a:pPr marL="342900" marR="0" lvl="0" indent="-342900" algn="ctr" defTabSz="914400" rtl="0" eaLnBrk="1" fontAlgn="auto" latinLnBrk="0" hangingPunct="1">
+              <a:lnSpc>
+                <a:spcPct val="100000"/>
+              </a:lnSpc>
+              <a:spcBef>
+                <a:spcPct val="20000"/>
+              </a:spcBef>
+              <a:spcAft>
+                <a:spcPts val="0"/>
+              </a:spcAft>
+              <a:buClrTx/>
+              <a:buSzTx/>
+              <a:buFont typeface="Arial" pitchFamily="34" charset="0"/>
+              <a:buNone/>
+              <a:tabLst/>
+              <a:defRPr/>
+            </a:pPr>
+            <a:r>
+              <a:rPr lang="ja-JP" altLang="en-US" sz="2000" dirty="0" smtClean="0">
+                <a:solidFill>
+                  <a:schemeClr val="accent3">
+                    <a:lumMod val="50000"/>
+                  </a:schemeClr>
+                </a:solidFill>
+              </a:rPr>
+              <a:t>壊れる物＝ガラクタをキャラクター化する</a:t>
+            </a:r>
+            <a:endParaRPr kumimoji="1" lang="en-US" altLang="ja-JP" sz="2000" b="0" i="0" u="none" strike="noStrike" kern="1200" cap="none" spc="0" normalizeH="0" baseline="0" noProof="0" dirty="0" smtClean="0">
+              <a:ln>
+                <a:noFill/>
+              </a:ln>
+              <a:solidFill>
+                <a:schemeClr val="accent3">
+                  <a:lumMod val="50000"/>
+                </a:schemeClr>
+              </a:solidFill>
+              <a:effectLst/>
+              <a:uLnTx/>
+              <a:uFillTx/>
+              <a:latin typeface="+mn-lt"/>
+              <a:ea typeface="+mn-ea"/>
+              <a:cs typeface="+mn-cs"/>
+            </a:endParaRPr>
+          </a:p>
+        </p:txBody>
+      </p:sp>
+      <p:pic>
+        <p:nvPicPr>
+          <p:cNvPr id="4" name="図 3" descr="rain_kasa_green.png"/>
+          <p:cNvPicPr>
+            <a:picLocks noChangeAspect="1"/>
+          </p:cNvPicPr>
+          <p:nvPr/>
+        </p:nvPicPr>
+        <p:blipFill>
+          <a:blip r:embed="rId2"/>
+          <a:stretch>
+            <a:fillRect/>
+          </a:stretch>
+        </p:blipFill>
+        <p:spPr>
+          <a:xfrm>
+            <a:off x="2357422" y="3714752"/>
+            <a:ext cx="1524000" cy="1524000"/>
+          </a:xfrm>
+          <a:prstGeom prst="rect">
+            <a:avLst/>
+          </a:prstGeom>
+        </p:spPr>
+      </p:pic>
+      <p:pic>
+        <p:nvPicPr>
+          <p:cNvPr id="5" name="図 4" descr="rain_kasa_green.png"/>
+          <p:cNvPicPr>
+            <a:picLocks noChangeAspect="1"/>
+          </p:cNvPicPr>
+          <p:nvPr/>
+        </p:nvPicPr>
+        <p:blipFill>
+          <a:blip r:embed="rId3" cstate="print"/>
+          <a:stretch>
+            <a:fillRect/>
+          </a:stretch>
+        </p:blipFill>
+        <p:spPr>
+          <a:xfrm>
+            <a:off x="3857620" y="1326818"/>
+            <a:ext cx="1002030" cy="1524000"/>
+          </a:xfrm>
+          <a:prstGeom prst="rect">
+            <a:avLst/>
+          </a:prstGeom>
+        </p:spPr>
+      </p:pic>
+      <p:pic>
+        <p:nvPicPr>
+          <p:cNvPr id="6" name="図 5" descr="rain_kasa_green.png"/>
+          <p:cNvPicPr>
+            <a:picLocks noChangeAspect="1"/>
+          </p:cNvPicPr>
+          <p:nvPr/>
+        </p:nvPicPr>
+        <p:blipFill>
+          <a:blip r:embed="rId4"/>
+          <a:stretch>
+            <a:fillRect/>
+          </a:stretch>
+        </p:blipFill>
+        <p:spPr>
+          <a:xfrm>
+            <a:off x="6357950" y="1326818"/>
+            <a:ext cx="1336765" cy="1524000"/>
+          </a:xfrm>
+          <a:prstGeom prst="rect">
+            <a:avLst/>
+          </a:prstGeom>
+        </p:spPr>
+      </p:pic>
+      <p:pic>
+        <p:nvPicPr>
+          <p:cNvPr id="8" name="図 7" descr="rain_kasa_green.png"/>
+          <p:cNvPicPr>
+            <a:picLocks noChangeAspect="1"/>
+          </p:cNvPicPr>
+          <p:nvPr/>
+        </p:nvPicPr>
+        <p:blipFill>
+          <a:blip r:embed="rId5"/>
+          <a:stretch>
+            <a:fillRect/>
+          </a:stretch>
+        </p:blipFill>
+        <p:spPr>
+          <a:xfrm>
+            <a:off x="1142976" y="1469694"/>
+            <a:ext cx="1188720" cy="1524000"/>
+          </a:xfrm>
+          <a:prstGeom prst="rect">
+            <a:avLst/>
+          </a:prstGeom>
+        </p:spPr>
+      </p:pic>
+      <p:pic>
+        <p:nvPicPr>
+          <p:cNvPr id="10" name="図 9" descr="rain_kasa_green.png"/>
+          <p:cNvPicPr>
+            <a:picLocks noChangeAspect="1"/>
+          </p:cNvPicPr>
+          <p:nvPr/>
+        </p:nvPicPr>
+        <p:blipFill>
+          <a:blip r:embed="rId6" cstate="print"/>
+          <a:stretch>
+            <a:fillRect/>
+          </a:stretch>
+        </p:blipFill>
+        <p:spPr>
+          <a:xfrm>
+            <a:off x="5500694" y="3887472"/>
+            <a:ext cx="1524000" cy="1219200"/>
+          </a:xfrm>
+          <a:prstGeom prst="rect">
+            <a:avLst/>
+          </a:prstGeom>
+        </p:spPr>
+      </p:pic>
+      <p:sp>
+        <p:nvSpPr>
+          <p:cNvPr id="11" name="コンテンツ プレースホルダ 2"/>
+          <p:cNvSpPr txBox="1">
+            <a:spLocks/>
+          </p:cNvSpPr>
+          <p:nvPr/>
+        </p:nvSpPr>
+        <p:spPr>
+          <a:xfrm>
+            <a:off x="714348" y="2969892"/>
+            <a:ext cx="2214578" cy="586326"/>
+          </a:xfrm>
+          <a:prstGeom prst="rect">
+            <a:avLst/>
+          </a:prstGeom>
+          <a:solidFill>
+            <a:schemeClr val="accent6">
+              <a:lumMod val="40000"/>
+              <a:lumOff val="60000"/>
+            </a:schemeClr>
+          </a:solidFill>
+        </p:spPr>
+        <p:txBody>
+          <a:bodyPr vert="horz" lIns="91440" tIns="45720" rIns="91440" bIns="45720" rtlCol="0">
+            <a:noAutofit/>
+          </a:bodyPr>
+          <a:lstStyle/>
+          <a:p>
+            <a:pPr marL="342900" lvl="0" indent="-342900" algn="ctr">
+              <a:spcBef>
+                <a:spcPct val="20000"/>
+              </a:spcBef>
+              <a:defRPr/>
+            </a:pPr>
+            <a:r>
+              <a:rPr lang="ja-JP" altLang="en-US" sz="1600" dirty="0" smtClean="0">
+                <a:solidFill>
+                  <a:schemeClr val="accent3">
+                    <a:lumMod val="50000"/>
+                  </a:schemeClr>
+                </a:solidFill>
+              </a:rPr>
+              <a:t>空き缶</a:t>
+            </a:r>
+            <a:endParaRPr lang="en-US" altLang="ja-JP" sz="1600" dirty="0" smtClean="0">
+              <a:solidFill>
+                <a:schemeClr val="accent3">
+                  <a:lumMod val="50000"/>
+                </a:schemeClr>
+              </a:solidFill>
+            </a:endParaRPr>
+          </a:p>
+          <a:p>
+            <a:pPr marL="342900" lvl="0" indent="-342900" algn="ctr">
+              <a:spcBef>
+                <a:spcPct val="20000"/>
+              </a:spcBef>
+              <a:defRPr/>
+            </a:pPr>
+            <a:r>
+              <a:rPr lang="ja-JP" altLang="en-US" sz="1600" dirty="0" smtClean="0">
+                <a:solidFill>
+                  <a:schemeClr val="accent3">
+                    <a:lumMod val="50000"/>
+                  </a:schemeClr>
+                </a:solidFill>
+              </a:rPr>
+              <a:t>凹んでプルタブが開く</a:t>
+            </a:r>
+            <a:endParaRPr lang="ja-JP" altLang="en-US" sz="1600" dirty="0">
+              <a:solidFill>
+                <a:schemeClr val="accent3">
+                  <a:lumMod val="50000"/>
+                </a:schemeClr>
+              </a:solidFill>
+            </a:endParaRPr>
+          </a:p>
+        </p:txBody>
+      </p:sp>
+      <p:sp>
+        <p:nvSpPr>
+          <p:cNvPr id="12" name="コンテンツ プレースホルダ 2"/>
+          <p:cNvSpPr txBox="1">
+            <a:spLocks/>
+          </p:cNvSpPr>
+          <p:nvPr/>
+        </p:nvSpPr>
+        <p:spPr>
+          <a:xfrm>
+            <a:off x="3286116" y="2969892"/>
+            <a:ext cx="2214578" cy="586326"/>
+          </a:xfrm>
+          <a:prstGeom prst="rect">
+            <a:avLst/>
+          </a:prstGeom>
+          <a:solidFill>
+            <a:schemeClr val="accent6">
+              <a:lumMod val="40000"/>
+              <a:lumOff val="60000"/>
+            </a:schemeClr>
+          </a:solidFill>
+        </p:spPr>
+        <p:txBody>
+          <a:bodyPr vert="horz" lIns="91440" tIns="45720" rIns="91440" bIns="45720" rtlCol="0">
+            <a:noAutofit/>
+          </a:bodyPr>
+          <a:lstStyle/>
+          <a:p>
+            <a:pPr marL="342900" lvl="0" indent="-342900" algn="ctr">
+              <a:spcBef>
+                <a:spcPct val="20000"/>
+              </a:spcBef>
+              <a:defRPr/>
+            </a:pPr>
+            <a:r>
+              <a:rPr lang="ja-JP" altLang="en-US" sz="1600" dirty="0" smtClean="0">
+                <a:solidFill>
+                  <a:schemeClr val="accent3">
+                    <a:lumMod val="50000"/>
+                  </a:schemeClr>
+                </a:solidFill>
+              </a:rPr>
+              <a:t>空きびん</a:t>
+            </a:r>
+            <a:endParaRPr lang="en-US" altLang="ja-JP" sz="1600" dirty="0" smtClean="0">
+              <a:solidFill>
+                <a:schemeClr val="accent3">
+                  <a:lumMod val="50000"/>
+                </a:schemeClr>
+              </a:solidFill>
+            </a:endParaRPr>
+          </a:p>
+          <a:p>
+            <a:pPr marL="342900" lvl="0" indent="-342900" algn="ctr">
+              <a:spcBef>
+                <a:spcPct val="20000"/>
+              </a:spcBef>
+              <a:defRPr/>
+            </a:pPr>
+            <a:r>
+              <a:rPr lang="ja-JP" altLang="en-US" sz="1600" dirty="0" smtClean="0">
+                <a:solidFill>
+                  <a:schemeClr val="accent3">
+                    <a:lumMod val="50000"/>
+                  </a:schemeClr>
+                </a:solidFill>
+              </a:rPr>
+              <a:t>割れて２つに分かれる</a:t>
+            </a:r>
+            <a:endParaRPr lang="ja-JP" altLang="en-US" sz="1600" dirty="0">
+              <a:solidFill>
+                <a:schemeClr val="accent3">
+                  <a:lumMod val="50000"/>
+                </a:schemeClr>
+              </a:solidFill>
+            </a:endParaRPr>
+          </a:p>
+        </p:txBody>
+      </p:sp>
+      <p:sp>
+        <p:nvSpPr>
+          <p:cNvPr id="13" name="コンテンツ プレースホルダ 2"/>
+          <p:cNvSpPr txBox="1">
+            <a:spLocks/>
+          </p:cNvSpPr>
+          <p:nvPr/>
+        </p:nvSpPr>
+        <p:spPr>
+          <a:xfrm>
+            <a:off x="1643042" y="5286388"/>
+            <a:ext cx="2500330" cy="586326"/>
+          </a:xfrm>
+          <a:prstGeom prst="rect">
+            <a:avLst/>
+          </a:prstGeom>
+          <a:solidFill>
+            <a:schemeClr val="accent6">
+              <a:lumMod val="40000"/>
+              <a:lumOff val="60000"/>
+            </a:schemeClr>
+          </a:solidFill>
+        </p:spPr>
+        <p:txBody>
+          <a:bodyPr vert="horz" lIns="91440" tIns="45720" rIns="91440" bIns="45720" rtlCol="0">
+            <a:noAutofit/>
+          </a:bodyPr>
+          <a:lstStyle/>
+          <a:p>
+            <a:pPr marL="342900" lvl="0" indent="-342900" algn="ctr">
+              <a:spcBef>
+                <a:spcPct val="20000"/>
+              </a:spcBef>
+              <a:defRPr/>
+            </a:pPr>
+            <a:r>
+              <a:rPr lang="ja-JP" altLang="en-US" sz="1600" dirty="0" smtClean="0">
+                <a:solidFill>
+                  <a:schemeClr val="accent3">
+                    <a:lumMod val="50000"/>
+                  </a:schemeClr>
+                </a:solidFill>
+              </a:rPr>
+              <a:t>傘</a:t>
+            </a:r>
+            <a:endParaRPr lang="en-US" altLang="ja-JP" sz="1600" dirty="0" smtClean="0">
+              <a:solidFill>
+                <a:schemeClr val="accent3">
+                  <a:lumMod val="50000"/>
+                </a:schemeClr>
+              </a:solidFill>
+            </a:endParaRPr>
+          </a:p>
+          <a:p>
+            <a:pPr marL="342900" lvl="0" indent="-342900" algn="ctr">
+              <a:spcBef>
+                <a:spcPct val="20000"/>
+              </a:spcBef>
+              <a:defRPr/>
+            </a:pPr>
+            <a:r>
+              <a:rPr lang="ja-JP" altLang="en-US" sz="1600" dirty="0" smtClean="0">
+                <a:solidFill>
+                  <a:schemeClr val="accent3">
+                    <a:lumMod val="50000"/>
+                  </a:schemeClr>
+                </a:solidFill>
+              </a:rPr>
+              <a:t>敗れて骨がむき出しになる</a:t>
+            </a:r>
+            <a:endParaRPr lang="en-US" altLang="ja-JP" sz="1600" dirty="0" smtClean="0">
+              <a:solidFill>
+                <a:schemeClr val="accent3">
+                  <a:lumMod val="50000"/>
+                </a:schemeClr>
+              </a:solidFill>
+            </a:endParaRPr>
+          </a:p>
+        </p:txBody>
+      </p:sp>
+      <p:sp>
+        <p:nvSpPr>
+          <p:cNvPr id="14" name="コンテンツ プレースホルダ 2"/>
+          <p:cNvSpPr txBox="1">
+            <a:spLocks/>
+          </p:cNvSpPr>
+          <p:nvPr/>
+        </p:nvSpPr>
+        <p:spPr>
+          <a:xfrm>
+            <a:off x="5214942" y="5286388"/>
+            <a:ext cx="2214578" cy="586326"/>
+          </a:xfrm>
+          <a:prstGeom prst="rect">
+            <a:avLst/>
+          </a:prstGeom>
+          <a:solidFill>
+            <a:schemeClr val="accent6">
+              <a:lumMod val="40000"/>
+              <a:lumOff val="60000"/>
+            </a:schemeClr>
+          </a:solidFill>
+        </p:spPr>
+        <p:txBody>
+          <a:bodyPr vert="horz" lIns="91440" tIns="45720" rIns="91440" bIns="45720" rtlCol="0">
+            <a:noAutofit/>
+          </a:bodyPr>
+          <a:lstStyle/>
+          <a:p>
+            <a:pPr marL="342900" lvl="0" indent="-342900" algn="ctr">
+              <a:spcBef>
+                <a:spcPct val="20000"/>
+              </a:spcBef>
+              <a:defRPr/>
+            </a:pPr>
+            <a:r>
+              <a:rPr lang="ja-JP" altLang="en-US" sz="1600" dirty="0" smtClean="0">
+                <a:solidFill>
+                  <a:schemeClr val="accent3">
+                    <a:lumMod val="50000"/>
+                  </a:schemeClr>
+                </a:solidFill>
+              </a:rPr>
+              <a:t>電子</a:t>
+            </a:r>
+            <a:r>
+              <a:rPr lang="ja-JP" altLang="en-US" sz="1600" dirty="0" smtClean="0">
+                <a:solidFill>
+                  <a:schemeClr val="accent3">
+                    <a:lumMod val="50000"/>
+                  </a:schemeClr>
+                </a:solidFill>
+              </a:rPr>
+              <a:t>レンジ</a:t>
+            </a:r>
+            <a:endParaRPr lang="en-US" altLang="ja-JP" sz="1600" dirty="0" smtClean="0">
+              <a:solidFill>
+                <a:schemeClr val="accent3">
+                  <a:lumMod val="50000"/>
+                </a:schemeClr>
+              </a:solidFill>
+            </a:endParaRPr>
+          </a:p>
+          <a:p>
+            <a:pPr marL="342900" lvl="0" indent="-342900" algn="ctr">
+              <a:spcBef>
+                <a:spcPct val="20000"/>
+              </a:spcBef>
+              <a:defRPr/>
+            </a:pPr>
+            <a:r>
+              <a:rPr lang="ja-JP" altLang="en-US" sz="1600" dirty="0" smtClean="0">
+                <a:solidFill>
+                  <a:schemeClr val="accent3">
+                    <a:lumMod val="50000"/>
+                  </a:schemeClr>
+                </a:solidFill>
+              </a:rPr>
+              <a:t>ショートして黒煙が出る</a:t>
+            </a:r>
+            <a:endParaRPr lang="en-US" altLang="ja-JP" sz="1600" dirty="0" smtClean="0">
+              <a:solidFill>
+                <a:schemeClr val="accent3">
+                  <a:lumMod val="50000"/>
+                </a:schemeClr>
+              </a:solidFill>
+            </a:endParaRPr>
+          </a:p>
+        </p:txBody>
+      </p:sp>
+      <p:sp>
+        <p:nvSpPr>
+          <p:cNvPr id="15" name="コンテンツ プレースホルダ 2"/>
+          <p:cNvSpPr txBox="1">
+            <a:spLocks/>
+          </p:cNvSpPr>
+          <p:nvPr/>
+        </p:nvSpPr>
+        <p:spPr>
+          <a:xfrm>
+            <a:off x="5786446" y="2969892"/>
+            <a:ext cx="2500330" cy="586326"/>
+          </a:xfrm>
+          <a:prstGeom prst="rect">
+            <a:avLst/>
+          </a:prstGeom>
+          <a:solidFill>
+            <a:schemeClr val="accent6">
+              <a:lumMod val="40000"/>
+              <a:lumOff val="60000"/>
+            </a:schemeClr>
+          </a:solidFill>
+        </p:spPr>
+        <p:txBody>
+          <a:bodyPr vert="horz" lIns="91440" tIns="45720" rIns="91440" bIns="45720" rtlCol="0">
+            <a:noAutofit/>
+          </a:bodyPr>
+          <a:lstStyle/>
+          <a:p>
+            <a:pPr marL="342900" lvl="0" indent="-342900" algn="ctr">
+              <a:spcBef>
+                <a:spcPct val="20000"/>
+              </a:spcBef>
+              <a:defRPr/>
+            </a:pPr>
+            <a:r>
+              <a:rPr lang="ja-JP" altLang="en-US" sz="1600" dirty="0" smtClean="0">
+                <a:solidFill>
+                  <a:schemeClr val="accent3">
+                    <a:lumMod val="50000"/>
+                  </a:schemeClr>
+                </a:solidFill>
+              </a:rPr>
+              <a:t>ポリバケツ</a:t>
+            </a:r>
+            <a:endParaRPr lang="en-US" altLang="ja-JP" sz="1600" dirty="0" smtClean="0">
+              <a:solidFill>
+                <a:schemeClr val="accent3">
+                  <a:lumMod val="50000"/>
+                </a:schemeClr>
+              </a:solidFill>
+            </a:endParaRPr>
+          </a:p>
+          <a:p>
+            <a:pPr marL="342900" lvl="0" indent="-342900" algn="ctr">
+              <a:spcBef>
+                <a:spcPct val="20000"/>
+              </a:spcBef>
+              <a:defRPr/>
+            </a:pPr>
+            <a:r>
+              <a:rPr lang="ja-JP" altLang="en-US" sz="1600" dirty="0" smtClean="0">
+                <a:solidFill>
+                  <a:schemeClr val="accent3">
+                    <a:lumMod val="50000"/>
+                  </a:schemeClr>
+                </a:solidFill>
+              </a:rPr>
+              <a:t>ひっくり返って中身が出る</a:t>
+            </a:r>
+            <a:endParaRPr lang="ja-JP" altLang="en-US" sz="1600" dirty="0">
+              <a:solidFill>
+                <a:schemeClr val="accent3">
+                  <a:lumMod val="50000"/>
+                </a:schemeClr>
+              </a:solidFill>
             </a:endParaRPr>
           </a:p>
         </p:txBody>
